--- a/lecture/lec2_arch.pptx
+++ b/lecture/lec2_arch.pptx
@@ -264,7 +264,7 @@
             <a:fld id="{3B85FA19-4AE7-394C-8E06-B4A0FB3E5AA8}" type="datetimeFigureOut">
               <a:rPr lang="en-US" smtClean="0"/>
               <a:pPr/>
-              <a:t>11/23/22</a:t>
+              <a:t>1/18/23</a:t>
             </a:fld>
             <a:endParaRPr lang="en-US"/>
           </a:p>
@@ -432,7 +432,7 @@
             <a:fld id="{FD6991A4-6061-8E40-B3BF-9224535D7C20}" type="datetimeFigureOut">
               <a:rPr lang="en-US" smtClean="0"/>
               <a:pPr/>
-              <a:t>11/23/22</a:t>
+              <a:t>1/18/23</a:t>
             </a:fld>
             <a:endParaRPr lang="en-US"/>
           </a:p>
@@ -8643,7 +8643,7 @@
         <p:spPr>
           <a:xfrm>
             <a:off x="1111325" y="3286510"/>
-            <a:ext cx="6472548" cy="1846659"/>
+            <a:ext cx="6472548" cy="1261884"/>
           </a:xfrm>
           <a:prstGeom prst="rect">
             <a:avLst/>
@@ -8676,7 +8676,20 @@
                   </a:outerShdw>
                 </a:effectLst>
               </a:rPr>
-              <a:t>Architectural (hardware) Support for Operating Systems</a:t>
+              <a:t>Architectural (hardware) Support for </a:t>
+            </a:r>
+            <a:r>
+              <a:rPr lang="en-US" altLang="zh-CN" sz="3800" dirty="0">
+                <a:solidFill>
+                  <a:srgbClr val="FF6600"/>
+                </a:solidFill>
+                <a:effectLst>
+                  <a:outerShdw blurRad="38100" dist="38100" dir="2700000" algn="tl">
+                    <a:srgbClr val="C0C0C0"/>
+                  </a:outerShdw>
+                </a:effectLst>
+              </a:rPr>
+              <a:t>OS</a:t>
             </a:r>
             <a:endParaRPr lang="en-US" sz="3800" dirty="0">
               <a:solidFill>
@@ -19889,6 +19902,16 @@
               <a:t>Early PC operating systems (DOS, MacOS) lacked virtual memory in part because the hardware did not support it</a:t>
             </a:r>
           </a:p>
+          <a:p>
+            <a:pPr lvl="1"/>
+            <a:r>
+              <a:rPr lang="en-US" dirty="0">
+                <a:hlinkClick r:id="rId2"/>
+              </a:rPr>
+              <a:t>https://github.com/microsoft/ms-dos</a:t>
+            </a:r>
+            <a:endParaRPr lang="en-US" dirty="0"/>
+          </a:p>
         </p:txBody>
       </p:sp>
     </p:spTree>
@@ -22351,7 +22374,51 @@
           <a:p>
             <a:r>
               <a:rPr lang="en-US" dirty="0"/>
-              <a:t>Interrupts are used by devices to have the OS do stuff</a:t>
+              <a:t>Interrupts are used by devices to </a:t>
+            </a:r>
+            <a:r>
+              <a:rPr lang="en-US" altLang="zh-CN" dirty="0"/>
+              <a:t>notify</a:t>
+            </a:r>
+            <a:r>
+              <a:rPr lang="en-US" dirty="0"/>
+              <a:t> the OS</a:t>
+            </a:r>
+            <a:r>
+              <a:rPr lang="zh-CN" altLang="en-US" dirty="0"/>
+              <a:t> </a:t>
+            </a:r>
+            <a:r>
+              <a:rPr lang="en-US" altLang="zh-CN" dirty="0"/>
+              <a:t>that</a:t>
+            </a:r>
+            <a:r>
+              <a:rPr lang="zh-CN" altLang="en-US" dirty="0"/>
+              <a:t> </a:t>
+            </a:r>
+            <a:r>
+              <a:rPr lang="en-US" altLang="zh-CN" dirty="0"/>
+              <a:t>something</a:t>
+            </a:r>
+            <a:r>
+              <a:rPr lang="zh-CN" altLang="en-US" dirty="0"/>
+              <a:t> </a:t>
+            </a:r>
+            <a:r>
+              <a:rPr lang="en-US" altLang="zh-CN" dirty="0"/>
+              <a:t>needs</a:t>
+            </a:r>
+            <a:r>
+              <a:rPr lang="zh-CN" altLang="en-US" dirty="0"/>
+              <a:t> </a:t>
+            </a:r>
+            <a:r>
+              <a:rPr lang="en-US" altLang="zh-CN" dirty="0"/>
+              <a:t>attention</a:t>
+            </a:r>
+            <a:r>
+              <a:rPr lang="en-US" dirty="0"/>
+              <a:t> </a:t>
             </a:r>
           </a:p>
           <a:p>
@@ -22362,8 +22429,45 @@
                   <a:srgbClr val="D60093"/>
                 </a:solidFill>
               </a:rPr>
-              <a:t>What is an alternative approach to using interrupts?</a:t>
-            </a:r>
+              <a:t>What is an alternative approach to </a:t>
+            </a:r>
+            <a:r>
+              <a:rPr lang="en-US" altLang="zh-CN" dirty="0">
+                <a:solidFill>
+                  <a:srgbClr val="D60093"/>
+                </a:solidFill>
+              </a:rPr>
+              <a:t>achieve</a:t>
+            </a:r>
+            <a:r>
+              <a:rPr lang="zh-CN" altLang="en-US" dirty="0">
+                <a:solidFill>
+                  <a:srgbClr val="D60093"/>
+                </a:solidFill>
+              </a:rPr>
+              <a:t> </a:t>
+            </a:r>
+            <a:r>
+              <a:rPr lang="en-US" altLang="zh-CN">
+                <a:solidFill>
+                  <a:srgbClr val="D60093"/>
+                </a:solidFill>
+              </a:rPr>
+              <a:t>this</a:t>
+            </a:r>
+            <a:r>
+              <a:rPr lang="en-US">
+                <a:solidFill>
+                  <a:srgbClr val="D60093"/>
+                </a:solidFill>
+              </a:rPr>
+              <a:t>?</a:t>
+            </a:r>
+            <a:endParaRPr lang="en-US" dirty="0">
+              <a:solidFill>
+                <a:srgbClr val="D60093"/>
+              </a:solidFill>
+            </a:endParaRPr>
           </a:p>
           <a:p>
             <a:pPr lvl="1"/>
